--- a/ppts/Week 06 - Tuesday.pptx
+++ b/ppts/Week 06 - Tuesday.pptx
@@ -11,10 +11,10 @@
     <p:sldId id="256" r:id="rId2"/>
     <p:sldId id="283" r:id="rId3"/>
     <p:sldId id="286" r:id="rId4"/>
-    <p:sldId id="287" r:id="rId5"/>
-    <p:sldId id="285" r:id="rId6"/>
-    <p:sldId id="284" r:id="rId7"/>
-    <p:sldId id="258" r:id="rId8"/>
+    <p:sldId id="285" r:id="rId5"/>
+    <p:sldId id="284" r:id="rId6"/>
+    <p:sldId id="258" r:id="rId7"/>
+    <p:sldId id="287" r:id="rId8"/>
     <p:sldId id="260" r:id="rId9"/>
     <p:sldId id="261" r:id="rId10"/>
     <p:sldId id="276" r:id="rId11"/>
@@ -4107,7 +4107,7 @@
     </p:spTree>
     <p:extLst>
       <p:ext uri="{BB962C8B-B14F-4D97-AF65-F5344CB8AC3E}">
-        <p14:creationId xmlns:p14="http://schemas.microsoft.com/office/powerpoint/2010/main" val="2828999844"/>
+        <p14:creationId xmlns:p14="http://schemas.microsoft.com/office/powerpoint/2010/main" val="2428729771"/>
       </p:ext>
     </p:extLst>
   </p:cSld>
@@ -4209,7 +4209,7 @@
     </p:spTree>
     <p:extLst>
       <p:ext uri="{BB962C8B-B14F-4D97-AF65-F5344CB8AC3E}">
-        <p14:creationId xmlns:p14="http://schemas.microsoft.com/office/powerpoint/2010/main" val="2428729771"/>
+        <p14:creationId xmlns:p14="http://schemas.microsoft.com/office/powerpoint/2010/main" val="162411159"/>
       </p:ext>
     </p:extLst>
   </p:cSld>
@@ -4311,7 +4311,7 @@
     </p:spTree>
     <p:extLst>
       <p:ext uri="{BB962C8B-B14F-4D97-AF65-F5344CB8AC3E}">
-        <p14:creationId xmlns:p14="http://schemas.microsoft.com/office/powerpoint/2010/main" val="162411159"/>
+        <p14:creationId xmlns:p14="http://schemas.microsoft.com/office/powerpoint/2010/main" val="4198572313"/>
       </p:ext>
     </p:extLst>
   </p:cSld>
@@ -4413,7 +4413,7 @@
     </p:spTree>
     <p:extLst>
       <p:ext uri="{BB962C8B-B14F-4D97-AF65-F5344CB8AC3E}">
-        <p14:creationId xmlns:p14="http://schemas.microsoft.com/office/powerpoint/2010/main" val="4198572313"/>
+        <p14:creationId xmlns:p14="http://schemas.microsoft.com/office/powerpoint/2010/main" val="2828999844"/>
       </p:ext>
     </p:extLst>
   </p:cSld>
@@ -9744,7 +9744,37 @@
                   <a:schemeClr val="bg1"/>
                 </a:solidFill>
               </a:rPr>
-              <a:t>research process</a:t>
+              <a:t>correlations</a:t>
+            </a:r>
+            <a:br>
+              <a:rPr lang="en-US" sz="8000" b="1" dirty="0">
+                <a:solidFill>
+                  <a:schemeClr val="bg1"/>
+                </a:solidFill>
+              </a:rPr>
+            </a:br>
+            <a:r>
+              <a:rPr lang="en-US" sz="8000" b="1" dirty="0">
+                <a:solidFill>
+                  <a:schemeClr val="bg1"/>
+                </a:solidFill>
+              </a:rPr>
+              <a:t>chi-squared</a:t>
+            </a:r>
+            <a:br>
+              <a:rPr lang="en-US" sz="8000" b="1" dirty="0">
+                <a:solidFill>
+                  <a:schemeClr val="bg1"/>
+                </a:solidFill>
+              </a:rPr>
+            </a:br>
+            <a:r>
+              <a:rPr lang="en-US" sz="8000" b="1" dirty="0">
+                <a:solidFill>
+                  <a:schemeClr val="bg1"/>
+                </a:solidFill>
+              </a:rPr>
+              <a:t>test 3</a:t>
             </a:r>
             <a:endParaRPr lang="en-US" sz="2800" b="1" dirty="0">
               <a:solidFill>
@@ -9757,7 +9787,7 @@
     </p:spTree>
     <p:extLst>
       <p:ext uri="{BB962C8B-B14F-4D97-AF65-F5344CB8AC3E}">
-        <p14:creationId xmlns:p14="http://schemas.microsoft.com/office/powerpoint/2010/main" val="426921086"/>
+        <p14:creationId xmlns:p14="http://schemas.microsoft.com/office/powerpoint/2010/main" val="146494025"/>
       </p:ext>
     </p:extLst>
   </p:cSld>
@@ -9827,7 +9857,7 @@
                   <a:schemeClr val="bg1"/>
                 </a:solidFill>
               </a:rPr>
-              <a:t>correlations</a:t>
+              <a:t>regression</a:t>
             </a:r>
             <a:br>
               <a:rPr lang="en-US" sz="8000" b="1" dirty="0">
@@ -9842,7 +9872,7 @@
                   <a:schemeClr val="bg1"/>
                 </a:solidFill>
               </a:rPr>
-              <a:t>chi-squared</a:t>
+              <a:t>more regression</a:t>
             </a:r>
             <a:br>
               <a:rPr lang="en-US" sz="8000" b="1" dirty="0">
@@ -9857,7 +9887,7 @@
                   <a:schemeClr val="bg1"/>
                 </a:solidFill>
               </a:rPr>
-              <a:t>test 3</a:t>
+              <a:t>test 4</a:t>
             </a:r>
             <a:endParaRPr lang="en-US" sz="2800" b="1" dirty="0">
               <a:solidFill>
@@ -9870,7 +9900,7 @@
     </p:spTree>
     <p:extLst>
       <p:ext uri="{BB962C8B-B14F-4D97-AF65-F5344CB8AC3E}">
-        <p14:creationId xmlns:p14="http://schemas.microsoft.com/office/powerpoint/2010/main" val="146494025"/>
+        <p14:creationId xmlns:p14="http://schemas.microsoft.com/office/powerpoint/2010/main" val="4223014794"/>
       </p:ext>
     </p:extLst>
   </p:cSld>
@@ -9940,7 +9970,7 @@
                   <a:schemeClr val="bg1"/>
                 </a:solidFill>
               </a:rPr>
-              <a:t>regression</a:t>
+              <a:t>types of sampling</a:t>
             </a:r>
             <a:br>
               <a:rPr lang="en-US" sz="8000" b="1" dirty="0">
@@ -9955,7 +9985,7 @@
                   <a:schemeClr val="bg1"/>
                 </a:solidFill>
               </a:rPr>
-              <a:t>more regression</a:t>
+              <a:t>point vs interval</a:t>
             </a:r>
             <a:br>
               <a:rPr lang="en-US" sz="8000" b="1" dirty="0">
@@ -9964,14 +9994,6 @@
                 </a:solidFill>
               </a:rPr>
             </a:br>
-            <a:r>
-              <a:rPr lang="en-US" sz="8000" b="1" dirty="0">
-                <a:solidFill>
-                  <a:schemeClr val="bg1"/>
-                </a:solidFill>
-              </a:rPr>
-              <a:t>test 4</a:t>
-            </a:r>
             <a:endParaRPr lang="en-US" sz="2800" b="1" dirty="0">
               <a:solidFill>
                 <a:schemeClr val="bg1"/>
@@ -9983,7 +10005,7 @@
     </p:spTree>
     <p:extLst>
       <p:ext uri="{BB962C8B-B14F-4D97-AF65-F5344CB8AC3E}">
-        <p14:creationId xmlns:p14="http://schemas.microsoft.com/office/powerpoint/2010/main" val="4223014794"/>
+        <p14:creationId xmlns:p14="http://schemas.microsoft.com/office/powerpoint/2010/main" val="760705997"/>
       </p:ext>
     </p:extLst>
   </p:cSld>
@@ -10053,30 +10075,8 @@
                   <a:schemeClr val="bg1"/>
                 </a:solidFill>
               </a:rPr>
-              <a:t>types of sampling</a:t>
-            </a:r>
-            <a:br>
-              <a:rPr lang="en-US" sz="8000" b="1" dirty="0">
-                <a:solidFill>
-                  <a:schemeClr val="bg1"/>
-                </a:solidFill>
-              </a:rPr>
-            </a:br>
-            <a:r>
-              <a:rPr lang="en-US" sz="8000" b="1" dirty="0">
-                <a:solidFill>
-                  <a:schemeClr val="bg1"/>
-                </a:solidFill>
-              </a:rPr>
-              <a:t>point vs interval</a:t>
-            </a:r>
-            <a:br>
-              <a:rPr lang="en-US" sz="8000" b="1" dirty="0">
-                <a:solidFill>
-                  <a:schemeClr val="bg1"/>
-                </a:solidFill>
-              </a:rPr>
-            </a:br>
+              <a:t>research process</a:t>
+            </a:r>
             <a:endParaRPr lang="en-US" sz="2800" b="1" dirty="0">
               <a:solidFill>
                 <a:schemeClr val="bg1"/>
@@ -10088,7 +10088,7 @@
     </p:spTree>
     <p:extLst>
       <p:ext uri="{BB962C8B-B14F-4D97-AF65-F5344CB8AC3E}">
-        <p14:creationId xmlns:p14="http://schemas.microsoft.com/office/powerpoint/2010/main" val="760705997"/>
+        <p14:creationId xmlns:p14="http://schemas.microsoft.com/office/powerpoint/2010/main" val="426921086"/>
       </p:ext>
     </p:extLst>
   </p:cSld>
